--- a/Önlab_2_prezentáció_Csepreghy_Márton.pptx
+++ b/Önlab_2_prezentáció_Csepreghy_Márton.pptx
@@ -119,6 +119,113 @@
     </p:ext>
   </p:extLst>
 </p:presentation>
+</file>
+
+<file path=ppt/commentAuthors.xml><?xml version="1.0" encoding="utf-8"?>
+<p:cmAuthorLst xmlns:a="http://schemas.openxmlformats.org/drawingml/2006/main" xmlns:r="http://schemas.openxmlformats.org/officeDocument/2006/relationships" xmlns:p="http://schemas.openxmlformats.org/presentationml/2006/main">
+  <p:cmAuthor id="1" name="Firtha Gergely" initials="FG" lastIdx="8" clrIdx="0">
+    <p:extLst>
+      <p:ext uri="{19B8F6BF-5375-455C-9EA6-DF929625EA0E}">
+        <p15:presenceInfo xmlns:p15="http://schemas.microsoft.com/office/powerpoint/2012/main" userId="Firtha Gergely" providerId="None"/>
+      </p:ext>
+    </p:extLst>
+  </p:cmAuthor>
+</p:cmAuthorLst>
+</file>
+
+<file path=ppt/comments/comment1.xml><?xml version="1.0" encoding="utf-8"?>
+<p:cmLst xmlns:a="http://schemas.openxmlformats.org/drawingml/2006/main" xmlns:r="http://schemas.openxmlformats.org/officeDocument/2006/relationships" xmlns:p="http://schemas.openxmlformats.org/presentationml/2006/main">
+  <p:cm authorId="1" dt="2020-05-25T10:19:57.740" idx="1">
+    <p:pos x="1065" y="2473"/>
+    <p:text>Itt micsoda az ábra? Illetve élethű micsoda érhető el?</p:text>
+    <p:extLst>
+      <p:ext uri="{C676402C-5697-4E1C-873F-D02D1690AC5C}">
+        <p15:threadingInfo xmlns:p15="http://schemas.microsoft.com/office/powerpoint/2012/main" timeZoneBias="-120"/>
+      </p:ext>
+    </p:extLst>
+  </p:cm>
+</p:cmLst>
+</file>
+
+<file path=ppt/comments/comment2.xml><?xml version="1.0" encoding="utf-8"?>
+<p:cmLst xmlns:a="http://schemas.openxmlformats.org/drawingml/2006/main" xmlns:r="http://schemas.openxmlformats.org/officeDocument/2006/relationships" xmlns:p="http://schemas.openxmlformats.org/presentationml/2006/main">
+  <p:cm authorId="1" dt="2020-05-25T10:20:30.205" idx="2">
+    <p:pos x="10" y="10"/>
+    <p:text>Helyesebben: Mi a binauralizáció célja?</p:text>
+    <p:extLst>
+      <p:ext uri="{C676402C-5697-4E1C-873F-D02D1690AC5C}">
+        <p15:threadingInfo xmlns:p15="http://schemas.microsoft.com/office/powerpoint/2012/main" timeZoneBias="-120"/>
+      </p:ext>
+    </p:extLst>
+  </p:cm>
+  <p:cm authorId="1" dt="2020-05-25T10:21:11.470" idx="3">
+    <p:pos x="10" y="146"/>
+    <p:text>Vagy csak szimpla: A binauralizáció célja:</p:text>
+    <p:extLst>
+      <p:ext uri="{C676402C-5697-4E1C-873F-D02D1690AC5C}">
+        <p15:threadingInfo xmlns:p15="http://schemas.microsoft.com/office/powerpoint/2012/main" timeZoneBias="-120">
+          <p15:parentCm authorId="1" idx="2"/>
+        </p15:threadingInfo>
+      </p:ext>
+    </p:extLst>
+  </p:cm>
+</p:cmLst>
+</file>
+
+<file path=ppt/comments/comment3.xml><?xml version="1.0" encoding="utf-8"?>
+<p:cmLst xmlns:a="http://schemas.openxmlformats.org/drawingml/2006/main" xmlns:r="http://schemas.openxmlformats.org/officeDocument/2006/relationships" xmlns:p="http://schemas.openxmlformats.org/presentationml/2006/main">
+  <p:cm authorId="1" dt="2020-05-25T10:23:04.188" idx="4">
+    <p:pos x="2554" y="1716"/>
+    <p:text>Ezt nem értem teljesen</p:text>
+    <p:extLst>
+      <p:ext uri="{C676402C-5697-4E1C-873F-D02D1690AC5C}">
+        <p15:threadingInfo xmlns:p15="http://schemas.microsoft.com/office/powerpoint/2012/main" timeZoneBias="-120"/>
+      </p:ext>
+    </p:extLst>
+  </p:cm>
+</p:cmLst>
+</file>
+
+<file path=ppt/comments/comment4.xml><?xml version="1.0" encoding="utf-8"?>
+<p:cmLst xmlns:a="http://schemas.openxmlformats.org/drawingml/2006/main" xmlns:r="http://schemas.openxmlformats.org/officeDocument/2006/relationships" xmlns:p="http://schemas.openxmlformats.org/presentationml/2006/main">
+  <p:cm authorId="1" dt="2020-05-25T10:24:47.004" idx="5">
+    <p:pos x="10" y="10"/>
+    <p:text>Itt majd meséld el, hogyan kell értelmezni az ábrákat</p:text>
+    <p:extLst>
+      <p:ext uri="{C676402C-5697-4E1C-873F-D02D1690AC5C}">
+        <p15:threadingInfo xmlns:p15="http://schemas.microsoft.com/office/powerpoint/2012/main" timeZoneBias="-120"/>
+      </p:ext>
+    </p:extLst>
+  </p:cm>
+</p:cmLst>
+</file>
+
+<file path=ppt/comments/comment5.xml><?xml version="1.0" encoding="utf-8"?>
+<p:cmLst xmlns:a="http://schemas.openxmlformats.org/drawingml/2006/main" xmlns:r="http://schemas.openxmlformats.org/officeDocument/2006/relationships" xmlns:p="http://schemas.openxmlformats.org/presentationml/2006/main">
+  <p:cm authorId="1" dt="2020-05-25T10:25:56.010" idx="6">
+    <p:pos x="10" y="10"/>
+    <p:text>A forrástényező az hogy értve számított? Itt úgy érted, milyen szűrőhatáson megy át a bemenő jel a visszaverődések miatt?</p:text>
+    <p:extLst>
+      <p:ext uri="{C676402C-5697-4E1C-873F-D02D1690AC5C}">
+        <p15:threadingInfo xmlns:p15="http://schemas.microsoft.com/office/powerpoint/2012/main" timeZoneBias="-120"/>
+      </p:ext>
+    </p:extLst>
+  </p:cm>
+</p:cmLst>
+</file>
+
+<file path=ppt/comments/comment6.xml><?xml version="1.0" encoding="utf-8"?>
+<p:cmLst xmlns:a="http://schemas.openxmlformats.org/drawingml/2006/main" xmlns:r="http://schemas.openxmlformats.org/officeDocument/2006/relationships" xmlns:p="http://schemas.openxmlformats.org/presentationml/2006/main">
+  <p:cm authorId="1" dt="2020-05-25T10:27:33.661" idx="8">
+    <p:pos x="10" y="10"/>
+    <p:text>Eddig teljesen jó, de egy összefoglaló diát rátennék, amin leírod, hogy mi a következő cél. Értsd ténylegesen nagyon gyors binauralizáció megvalósítása</p:text>
+    <p:extLst>
+      <p:ext uri="{C676402C-5697-4E1C-873F-D02D1690AC5C}">
+        <p15:threadingInfo xmlns:p15="http://schemas.microsoft.com/office/powerpoint/2012/main" timeZoneBias="-120"/>
+      </p:ext>
+    </p:extLst>
+  </p:cm>
+</p:cmLst>
 </file>
 
 <file path=ppt/slideLayouts/slideLayout1.xml><?xml version="1.0" encoding="utf-8"?>
@@ -3426,7 +3533,24 @@
                 <a:latin typeface="Arial"/>
                 <a:ea typeface="MS PGothic"/>
               </a:rPr>
-              <a:t>úthosssz-különbségből</a:t>
+              <a:t>úthos</a:t>
+            </a:r>
+            <a:r>
+              <a:rPr lang="hu-HU" spc="-1" dirty="0" err="1">
+                <a:solidFill>
+                  <a:srgbClr val="FF0000"/>
+                </a:solidFill>
+                <a:latin typeface="Arial"/>
+                <a:ea typeface="MS PGothic"/>
+              </a:rPr>
+              <a:t>s</a:t>
+            </a:r>
+            <a:r>
+              <a:rPr lang="hu-HU" spc="-1" dirty="0" err="1">
+                <a:latin typeface="Arial"/>
+                <a:ea typeface="MS PGothic"/>
+              </a:rPr>
+              <a:t>sz-különbségből</a:t>
             </a:r>
             <a:r>
               <a:rPr lang="hu-HU" spc="-1" dirty="0">
@@ -3806,12 +3930,18 @@
             </a:pPr>
             <a:r>
               <a:rPr lang="hu-HU" spc="-1" dirty="0">
+                <a:solidFill>
+                  <a:srgbClr val="FF0000"/>
+                </a:solidFill>
                 <a:latin typeface="Arial"/>
                 <a:ea typeface="MS PGothic"/>
               </a:rPr>
               <a:t>Nem pozíció- és irányfüggő</a:t>
             </a:r>
             <a:endParaRPr lang="en-US" spc="-1" dirty="0">
+              <a:solidFill>
+                <a:srgbClr val="FF0000"/>
+              </a:solidFill>
               <a:latin typeface="Arial"/>
               <a:ea typeface="MS PGothic"/>
             </a:endParaRPr>

--- a/Önlab_2_prezentáció_Csepreghy_Márton.pptx
+++ b/Önlab_2_prezentáció_Csepreghy_Márton.pptx
@@ -15,6 +15,7 @@
     <p:sldId id="264" r:id="rId9"/>
     <p:sldId id="265" r:id="rId10"/>
     <p:sldId id="266" r:id="rId11"/>
+    <p:sldId id="268" r:id="rId12"/>
   </p:sldIdLst>
   <p:sldSz cx="9144000" cy="6858000" type="screen4x3"/>
   <p:notesSz cx="7772400" cy="10058400"/>
@@ -130,6 +131,13 @@
       </p:ext>
     </p:extLst>
   </p:cmAuthor>
+  <p:cmAuthor id="2" name="Csepreghy Márton" initials="CM" lastIdx="3" clrIdx="1">
+    <p:extLst>
+      <p:ext uri="{19B8F6BF-5375-455C-9EA6-DF929625EA0E}">
+        <p15:presenceInfo xmlns:p15="http://schemas.microsoft.com/office/powerpoint/2012/main" userId="S::csepy@sch.bme.hu::4b07e84d-b30b-472c-beeb-29ede4521834" providerId="AD"/>
+      </p:ext>
+    </p:extLst>
+  </p:cmAuthor>
 </p:cmAuthorLst>
 </file>
 
@@ -141,6 +149,17 @@
     <p:extLst>
       <p:ext uri="{C676402C-5697-4E1C-873F-D02D1690AC5C}">
         <p15:threadingInfo xmlns:p15="http://schemas.microsoft.com/office/powerpoint/2012/main" timeZoneBias="-120"/>
+      </p:ext>
+    </p:extLst>
+  </p:cm>
+  <p:cm authorId="2" dt="2020-05-25T10:47:48.813" idx="3">
+    <p:pos x="1065" y="2609"/>
+    <p:text>az ábra a konstans energiájú amplitúdó-panorámázási görbéket jelöli, ezt gondoltam szóban említem inkább</p:text>
+    <p:extLst>
+      <p:ext uri="{C676402C-5697-4E1C-873F-D02D1690AC5C}">
+        <p15:threadingInfo xmlns:p15="http://schemas.microsoft.com/office/powerpoint/2012/main" timeZoneBias="-120">
+          <p15:parentCm authorId="1" idx="1"/>
+        </p15:threadingInfo>
       </p:ext>
     </p:extLst>
   </p:cm>
@@ -183,6 +202,17 @@
       </p:ext>
     </p:extLst>
   </p:cm>
+  <p:cm authorId="2" dt="2020-05-25T10:31:45.527" idx="1">
+    <p:pos x="2554" y="1852"/>
+    <p:text>sem a gerjesztés, sem a hallgató pozícióját nem lehet változtatni</p:text>
+    <p:extLst>
+      <p:ext uri="{C676402C-5697-4E1C-873F-D02D1690AC5C}">
+        <p15:threadingInfo xmlns:p15="http://schemas.microsoft.com/office/powerpoint/2012/main" timeZoneBias="-120">
+          <p15:parentCm authorId="1" idx="4"/>
+        </p15:threadingInfo>
+      </p:ext>
+    </p:extLst>
+  </p:cm>
 </p:cmLst>
 </file>
 
@@ -208,6 +238,17 @@
     <p:extLst>
       <p:ext uri="{C676402C-5697-4E1C-873F-D02D1690AC5C}">
         <p15:threadingInfo xmlns:p15="http://schemas.microsoft.com/office/powerpoint/2012/main" timeZoneBias="-120"/>
+      </p:ext>
+    </p:extLst>
+  </p:cm>
+  <p:cm authorId="2" dt="2020-05-25T10:33:37.341" idx="2">
+    <p:pos x="10" y="146"/>
+    <p:text>Igen, igazából nem különösebben akartam részletezni, mert még nincs meg hogy ez milyen formában lesz megoldva, de elvi szinten mindenképp fontos, hogy milyen hatással volt a forrásra az egyes falakról történő visszaverődés</p:text>
+    <p:extLst>
+      <p:ext uri="{C676402C-5697-4E1C-873F-D02D1690AC5C}">
+        <p15:threadingInfo xmlns:p15="http://schemas.microsoft.com/office/powerpoint/2012/main" timeZoneBias="-120">
+          <p15:parentCm authorId="1" idx="6"/>
+        </p15:threadingInfo>
       </p:ext>
     </p:extLst>
   </p:cm>
@@ -2898,6 +2939,377 @@
 </p:sld>
 </file>
 
+<file path=ppt/slides/slide11.xml><?xml version="1.0" encoding="utf-8"?>
+<p:sld xmlns:a="http://schemas.openxmlformats.org/drawingml/2006/main" xmlns:r="http://schemas.openxmlformats.org/officeDocument/2006/relationships" xmlns:p="http://schemas.openxmlformats.org/presentationml/2006/main">
+  <p:cSld>
+    <p:spTree>
+      <p:nvGrpSpPr>
+        <p:cNvPr id="1" name=""/>
+        <p:cNvGrpSpPr/>
+        <p:nvPr/>
+      </p:nvGrpSpPr>
+      <p:grpSpPr>
+        <a:xfrm>
+          <a:off x="0" y="0"/>
+          <a:ext cx="0" cy="0"/>
+          <a:chOff x="0" y="0"/>
+          <a:chExt cx="0" cy="0"/>
+        </a:xfrm>
+      </p:grpSpPr>
+      <p:sp>
+        <p:nvSpPr>
+          <p:cNvPr id="42" name="CustomShape 1"/>
+          <p:cNvSpPr/>
+          <p:nvPr/>
+        </p:nvSpPr>
+        <p:spPr>
+          <a:xfrm>
+            <a:off x="1173869" y="211034"/>
+            <a:ext cx="7307640" cy="516960"/>
+          </a:xfrm>
+          <a:prstGeom prst="rect">
+            <a:avLst/>
+          </a:prstGeom>
+          <a:noFill/>
+          <a:ln>
+            <a:noFill/>
+          </a:ln>
+        </p:spPr>
+        <p:style>
+          <a:lnRef idx="0">
+            <a:scrgbClr r="0" g="0" b="0"/>
+          </a:lnRef>
+          <a:fillRef idx="0">
+            <a:scrgbClr r="0" g="0" b="0"/>
+          </a:fillRef>
+          <a:effectRef idx="0">
+            <a:scrgbClr r="0" g="0" b="0"/>
+          </a:effectRef>
+          <a:fontRef idx="minor"/>
+        </p:style>
+        <p:txBody>
+          <a:bodyPr lIns="90000" tIns="45000" rIns="90000" bIns="45000">
+            <a:noAutofit/>
+          </a:bodyPr>
+          <a:lstStyle/>
+          <a:p>
+            <a:pPr algn="ctr">
+              <a:lnSpc>
+                <a:spcPct val="100000"/>
+              </a:lnSpc>
+            </a:pPr>
+            <a:r>
+              <a:rPr lang="hu-HU" sz="2400" b="1" strike="noStrike" cap="all" spc="-1" dirty="0" err="1">
+                <a:solidFill>
+                  <a:srgbClr val="871829"/>
+                </a:solidFill>
+                <a:latin typeface="Arial"/>
+                <a:ea typeface="MS PGothic"/>
+              </a:rPr>
+              <a:t>Realtime</a:t>
+            </a:r>
+            <a:r>
+              <a:rPr lang="hu-HU" sz="2400" b="1" strike="noStrike" cap="all" spc="-1" dirty="0">
+                <a:solidFill>
+                  <a:srgbClr val="871829"/>
+                </a:solidFill>
+                <a:latin typeface="Arial"/>
+                <a:ea typeface="MS PGothic"/>
+              </a:rPr>
+              <a:t> </a:t>
+            </a:r>
+            <a:r>
+              <a:rPr lang="hu-HU" sz="2400" b="1" strike="noStrike" cap="all" spc="-1" dirty="0" err="1">
+                <a:solidFill>
+                  <a:srgbClr val="871829"/>
+                </a:solidFill>
+                <a:latin typeface="Arial"/>
+                <a:ea typeface="MS PGothic"/>
+              </a:rPr>
+              <a:t>Binauralizáció</a:t>
+            </a:r>
+            <a:r>
+              <a:rPr lang="hu-HU" sz="2400" b="1" strike="noStrike" cap="all" spc="-1" dirty="0">
+                <a:solidFill>
+                  <a:srgbClr val="871829"/>
+                </a:solidFill>
+                <a:latin typeface="Arial"/>
+                <a:ea typeface="MS PGothic"/>
+              </a:rPr>
+              <a:t> </a:t>
+            </a:r>
+            <a:br>
+              <a:rPr lang="hu-HU" sz="2400" b="1" strike="noStrike" cap="all" spc="-1" dirty="0">
+                <a:solidFill>
+                  <a:srgbClr val="871829"/>
+                </a:solidFill>
+                <a:latin typeface="Arial"/>
+                <a:ea typeface="MS PGothic"/>
+              </a:rPr>
+            </a:br>
+            <a:r>
+              <a:rPr lang="hu-HU" sz="2400" b="1" strike="noStrike" cap="all" spc="-1" dirty="0">
+                <a:solidFill>
+                  <a:srgbClr val="871829"/>
+                </a:solidFill>
+                <a:latin typeface="Arial"/>
+                <a:ea typeface="MS PGothic"/>
+              </a:rPr>
+              <a:t>fejkövetéssel kiegészítve</a:t>
+            </a:r>
+            <a:endParaRPr lang="en-US" sz="2400" b="0" strike="noStrike" spc="-1" dirty="0">
+              <a:latin typeface="Arial"/>
+            </a:endParaRPr>
+          </a:p>
+        </p:txBody>
+      </p:sp>
+      <p:sp>
+        <p:nvSpPr>
+          <p:cNvPr id="43" name="CustomShape 2"/>
+          <p:cNvSpPr/>
+          <p:nvPr/>
+        </p:nvSpPr>
+        <p:spPr>
+          <a:xfrm>
+            <a:off x="313920" y="1159199"/>
+            <a:ext cx="8590320" cy="5030585"/>
+          </a:xfrm>
+          <a:prstGeom prst="rect">
+            <a:avLst/>
+          </a:prstGeom>
+          <a:noFill/>
+          <a:ln>
+            <a:noFill/>
+          </a:ln>
+        </p:spPr>
+        <p:style>
+          <a:lnRef idx="0">
+            <a:scrgbClr r="0" g="0" b="0"/>
+          </a:lnRef>
+          <a:fillRef idx="0">
+            <a:scrgbClr r="0" g="0" b="0"/>
+          </a:fillRef>
+          <a:effectRef idx="0">
+            <a:scrgbClr r="0" g="0" b="0"/>
+          </a:effectRef>
+          <a:fontRef idx="minor"/>
+        </p:style>
+        <p:txBody>
+          <a:bodyPr lIns="90000" tIns="45000" rIns="90000" bIns="45000">
+            <a:noAutofit/>
+          </a:bodyPr>
+          <a:lstStyle/>
+          <a:p>
+            <a:pPr marL="360360" indent="-342360">
+              <a:lnSpc>
+                <a:spcPct val="100000"/>
+              </a:lnSpc>
+              <a:spcBef>
+                <a:spcPts val="360"/>
+              </a:spcBef>
+              <a:buClr>
+                <a:srgbClr val="871829"/>
+              </a:buClr>
+              <a:buFont typeface="Arial"/>
+              <a:buChar char="•"/>
+            </a:pPr>
+            <a:endParaRPr lang="hu-HU" sz="1800" b="1" strike="noStrike" spc="-1" dirty="0">
+              <a:solidFill>
+                <a:srgbClr val="871829"/>
+              </a:solidFill>
+              <a:latin typeface="Arial"/>
+              <a:ea typeface="MS PGothic"/>
+            </a:endParaRPr>
+          </a:p>
+          <a:p>
+            <a:pPr marL="360360" indent="-342360">
+              <a:lnSpc>
+                <a:spcPct val="100000"/>
+              </a:lnSpc>
+              <a:spcBef>
+                <a:spcPts val="360"/>
+              </a:spcBef>
+              <a:buClr>
+                <a:srgbClr val="871829"/>
+              </a:buClr>
+              <a:buFont typeface="Arial"/>
+              <a:buChar char="•"/>
+            </a:pPr>
+            <a:r>
+              <a:rPr lang="hu-HU" b="1" spc="-1" dirty="0">
+                <a:solidFill>
+                  <a:srgbClr val="871829"/>
+                </a:solidFill>
+                <a:latin typeface="Arial"/>
+                <a:ea typeface="MS PGothic"/>
+              </a:rPr>
+              <a:t>További célok a projektben</a:t>
+            </a:r>
+            <a:endParaRPr lang="en-US" sz="1800" b="1" strike="noStrike" spc="-1" dirty="0">
+              <a:solidFill>
+                <a:srgbClr val="871829"/>
+              </a:solidFill>
+              <a:latin typeface="Arial"/>
+              <a:ea typeface="MS PGothic"/>
+            </a:endParaRPr>
+          </a:p>
+          <a:p>
+            <a:pPr marL="817560" lvl="1" indent="-342360">
+              <a:spcBef>
+                <a:spcPts val="360"/>
+              </a:spcBef>
+              <a:buClr>
+                <a:srgbClr val="871829"/>
+              </a:buClr>
+              <a:buFont typeface="Arial"/>
+              <a:buChar char="•"/>
+            </a:pPr>
+            <a:r>
+              <a:rPr lang="hu-HU" spc="-1" dirty="0">
+                <a:latin typeface="Arial"/>
+                <a:ea typeface="MS PGothic"/>
+              </a:rPr>
+              <a:t>A hallgató pozíciójától függően</a:t>
+            </a:r>
+          </a:p>
+          <a:p>
+            <a:pPr marL="1274760" lvl="2" indent="-342360">
+              <a:spcBef>
+                <a:spcPts val="360"/>
+              </a:spcBef>
+              <a:buClr>
+                <a:srgbClr val="871829"/>
+              </a:buClr>
+              <a:buFont typeface="Arial"/>
+              <a:buChar char="•"/>
+            </a:pPr>
+            <a:r>
+              <a:rPr lang="hu-HU" spc="-1" dirty="0">
+                <a:latin typeface="Arial"/>
+                <a:ea typeface="MS PGothic"/>
+              </a:rPr>
+              <a:t>Releváns tükörforrások meghatározása</a:t>
+            </a:r>
+          </a:p>
+          <a:p>
+            <a:pPr marL="1274760" lvl="2" indent="-342360">
+              <a:spcBef>
+                <a:spcPts val="360"/>
+              </a:spcBef>
+              <a:buClr>
+                <a:srgbClr val="871829"/>
+              </a:buClr>
+              <a:buFont typeface="Arial"/>
+              <a:buChar char="•"/>
+            </a:pPr>
+            <a:r>
+              <a:rPr lang="hu-HU" spc="-1" dirty="0">
+                <a:latin typeface="Arial"/>
+                <a:ea typeface="MS PGothic"/>
+              </a:rPr>
+              <a:t>A szűrők (HRTF, a forrás iránykarakterisztikája, forrástényező) átvitelének meghatározása adott irányokba</a:t>
+            </a:r>
+          </a:p>
+          <a:p>
+            <a:pPr marL="1274760" lvl="2" indent="-342360">
+              <a:spcBef>
+                <a:spcPts val="360"/>
+              </a:spcBef>
+              <a:buClr>
+                <a:srgbClr val="871829"/>
+              </a:buClr>
+              <a:buFont typeface="Arial"/>
+              <a:buChar char="•"/>
+            </a:pPr>
+            <a:r>
+              <a:rPr lang="hu-HU" spc="-1" dirty="0">
+                <a:latin typeface="Arial"/>
+                <a:ea typeface="MS PGothic"/>
+              </a:rPr>
+              <a:t>A bemeneti jel </a:t>
+            </a:r>
+            <a:r>
+              <a:rPr lang="hu-HU" spc="-1" dirty="0" err="1">
+                <a:latin typeface="Arial"/>
+                <a:ea typeface="MS PGothic"/>
+              </a:rPr>
+              <a:t>realtime</a:t>
+            </a:r>
+            <a:r>
+              <a:rPr lang="hu-HU" spc="-1" dirty="0">
+                <a:latin typeface="Arial"/>
+                <a:ea typeface="MS PGothic"/>
+              </a:rPr>
+              <a:t> szűrése</a:t>
+            </a:r>
+          </a:p>
+          <a:p>
+            <a:pPr marL="817560" lvl="1" indent="-342360">
+              <a:spcBef>
+                <a:spcPts val="360"/>
+              </a:spcBef>
+              <a:buClr>
+                <a:srgbClr val="871829"/>
+              </a:buClr>
+              <a:buFont typeface="Arial"/>
+              <a:buChar char="•"/>
+            </a:pPr>
+            <a:r>
+              <a:rPr lang="hu-HU" spc="-1" dirty="0">
+                <a:latin typeface="Arial"/>
+                <a:ea typeface="MS PGothic"/>
+              </a:rPr>
+              <a:t>A </a:t>
+            </a:r>
+            <a:r>
+              <a:rPr lang="hu-HU" spc="-1" dirty="0" err="1">
+                <a:latin typeface="Arial"/>
+                <a:ea typeface="MS PGothic"/>
+              </a:rPr>
+              <a:t>binauralizáció</a:t>
+            </a:r>
+            <a:r>
+              <a:rPr lang="hu-HU" spc="-1" dirty="0">
+                <a:latin typeface="Arial"/>
+                <a:ea typeface="MS PGothic"/>
+              </a:rPr>
+              <a:t> hatékonyságának növelése</a:t>
+            </a:r>
+          </a:p>
+          <a:p>
+            <a:pPr marL="817560" lvl="1" indent="-342360">
+              <a:spcBef>
+                <a:spcPts val="360"/>
+              </a:spcBef>
+              <a:buClr>
+                <a:srgbClr val="871829"/>
+              </a:buClr>
+              <a:buFont typeface="Arial"/>
+              <a:buChar char="•"/>
+            </a:pPr>
+            <a:r>
+              <a:rPr lang="hu-HU" spc="-1" dirty="0">
+                <a:latin typeface="Arial"/>
+                <a:ea typeface="MS PGothic"/>
+              </a:rPr>
+              <a:t>A hallgató pozíciójának követése</a:t>
+            </a:r>
+          </a:p>
+        </p:txBody>
+      </p:sp>
+    </p:spTree>
+    <p:extLst>
+      <p:ext uri="{BB962C8B-B14F-4D97-AF65-F5344CB8AC3E}">
+        <p14:creationId xmlns:p14="http://schemas.microsoft.com/office/powerpoint/2010/main" val="1734771099"/>
+      </p:ext>
+    </p:extLst>
+  </p:cSld>
+  <p:clrMapOvr>
+    <a:masterClrMapping/>
+  </p:clrMapOvr>
+</p:sld>
+</file>
+
 <file path=ppt/slides/slide2.xml><?xml version="1.0" encoding="utf-8"?>
 <p:sld xmlns:a="http://schemas.openxmlformats.org/drawingml/2006/main" xmlns:r="http://schemas.openxmlformats.org/officeDocument/2006/relationships" xmlns:p="http://schemas.openxmlformats.org/presentationml/2006/main">
   <p:cSld>
@@ -3161,7 +3573,7 @@
                 <a:latin typeface="Arial"/>
                 <a:ea typeface="MS PGothic"/>
               </a:rPr>
-              <a:t>, ennél sokkal élethűbb érhető már el</a:t>
+              <a:t>, ennél sokkal élethűbb hangzás érhető már el</a:t>
             </a:r>
           </a:p>
           <a:p>
@@ -3229,8 +3641,8 @@
         </p:blipFill>
         <p:spPr>
           <a:xfrm>
-            <a:off x="5596714" y="3674491"/>
-            <a:ext cx="2705478" cy="1781424"/>
+            <a:off x="4572000" y="3674491"/>
+            <a:ext cx="3730192" cy="2456148"/>
           </a:xfrm>
           <a:prstGeom prst="rect">
             <a:avLst/>
@@ -3454,7 +3866,7 @@
                 <a:latin typeface="Arial"/>
                 <a:ea typeface="MS PGothic"/>
               </a:rPr>
-              <a:t>Mivel foglalkozik a </a:t>
+              <a:t>A </a:t>
             </a:r>
             <a:r>
               <a:rPr lang="hu-HU" b="1" spc="-1" dirty="0" err="1">
@@ -3474,7 +3886,7 @@
                 <a:latin typeface="Arial"/>
                 <a:ea typeface="MS PGothic"/>
               </a:rPr>
-              <a:t>?</a:t>
+              <a:t> célja</a:t>
             </a:r>
             <a:endParaRPr lang="en-US" sz="1800" b="1" strike="noStrike" spc="-1" dirty="0">
               <a:solidFill>
@@ -3526,38 +3938,7 @@
                 <a:latin typeface="Arial"/>
                 <a:ea typeface="MS PGothic"/>
               </a:rPr>
-              <a:t> a fej árnyékoló hatása, az </a:t>
-            </a:r>
-            <a:r>
-              <a:rPr lang="hu-HU" spc="-1" dirty="0" err="1">
-                <a:latin typeface="Arial"/>
-                <a:ea typeface="MS PGothic"/>
-              </a:rPr>
-              <a:t>úthos</a:t>
-            </a:r>
-            <a:r>
-              <a:rPr lang="hu-HU" spc="-1" dirty="0" err="1">
-                <a:solidFill>
-                  <a:srgbClr val="FF0000"/>
-                </a:solidFill>
-                <a:latin typeface="Arial"/>
-                <a:ea typeface="MS PGothic"/>
-              </a:rPr>
-              <a:t>s</a:t>
-            </a:r>
-            <a:r>
-              <a:rPr lang="hu-HU" spc="-1" dirty="0" err="1">
-                <a:latin typeface="Arial"/>
-                <a:ea typeface="MS PGothic"/>
-              </a:rPr>
-              <a:t>sz-különbségből</a:t>
-            </a:r>
-            <a:r>
-              <a:rPr lang="hu-HU" spc="-1" dirty="0">
-                <a:latin typeface="Arial"/>
-                <a:ea typeface="MS PGothic"/>
-              </a:rPr>
-              <a:t> adódó fáziskülönbség, a fülkagyló hatása nagy frekvenciákon</a:t>
+              <a:t> a fej árnyékoló hatása, az úthossz-különbségből adódó fáziskülönbség, a fülkagyló hatása nagy frekvenciákon</a:t>
             </a:r>
           </a:p>
           <a:p>
